--- a/doc/Project4_Report.pptx
+++ b/doc/Project4_Report.pptx
@@ -2972,7 +2972,7 @@
               <a:pPr>
                 <a:defRPr/>
               </a:pPr>
-              <a:t>8/9/2020</a:t>
+              <a:t>8/10/2020</a:t>
             </a:fld>
             <a:endParaRPr lang="en-US" dirty="0"/>
           </a:p>
@@ -3238,7 +3238,7 @@
               <a:pPr>
                 <a:defRPr/>
               </a:pPr>
-              <a:t>8/9/2020</a:t>
+              <a:t>8/10/2020</a:t>
             </a:fld>
             <a:endParaRPr lang="en-US" dirty="0"/>
           </a:p>
@@ -5086,7 +5086,7 @@
         <p:spPr>
           <a:xfrm>
             <a:off x="533400" y="1295400"/>
-            <a:ext cx="8077200" cy="6681829"/>
+            <a:ext cx="8077200" cy="6349430"/>
           </a:xfrm>
           <a:prstGeom prst="rect">
             <a:avLst/>
@@ -5288,24 +5288,6 @@
             <a:endParaRPr lang="en-US" altLang="ko-KR" sz="1800" dirty="0">
               <a:latin typeface="Times New Roman" panose="02020603050405020304" pitchFamily="18" charset="0"/>
               <a:ea typeface="Gulim" panose="020B0600000101010101" pitchFamily="34" charset="-127"/>
-              <a:cs typeface="Times New Roman" panose="02020603050405020304" pitchFamily="18" charset="0"/>
-            </a:endParaRPr>
-          </a:p>
-          <a:p>
-            <a:pPr marL="0" indent="0" algn="r" eaLnBrk="1" hangingPunct="1">
-              <a:buFont typeface="Wingdings" panose="05000000000000000000" pitchFamily="2" charset="2"/>
-              <a:buNone/>
-            </a:pPr>
-            <a:r>
-              <a:rPr lang="en-US" altLang="ko-KR" sz="1800" dirty="0">
-                <a:latin typeface="Times New Roman" panose="02020603050405020304" pitchFamily="18" charset="0"/>
-                <a:ea typeface="Gulim" panose="020B0600000101010101" pitchFamily="34" charset="-127"/>
-                <a:cs typeface="Times New Roman" panose="02020603050405020304" pitchFamily="18" charset="0"/>
-              </a:rPr>
-              <a:t>Date 08 Month 05 Year 2019</a:t>
-            </a:r>
-            <a:endParaRPr lang="vi-VN" altLang="ko-KR" sz="1800" dirty="0">
-              <a:latin typeface="Times New Roman" panose="02020603050405020304" pitchFamily="18" charset="0"/>
               <a:cs typeface="Times New Roman" panose="02020603050405020304" pitchFamily="18" charset="0"/>
             </a:endParaRPr>
           </a:p>
@@ -6673,14 +6655,14 @@
             <p:ph idx="1"/>
             <p:extLst>
               <p:ext uri="{D42A27DB-BD31-4B8C-83A1-F6EECF244321}">
-                <p14:modId xmlns:p14="http://schemas.microsoft.com/office/powerpoint/2010/main" val="810879211"/>
+                <p14:modId xmlns:p14="http://schemas.microsoft.com/office/powerpoint/2010/main" val="3223804103"/>
               </p:ext>
             </p:extLst>
           </p:nvPr>
         </p:nvGraphicFramePr>
         <p:xfrm>
           <a:off x="0" y="762000"/>
-          <a:ext cx="8610600" cy="5349240"/>
+          <a:ext cx="8610600" cy="5618480"/>
         </p:xfrm>
         <a:graphic>
           <a:graphicData uri="http://schemas.openxmlformats.org/drawingml/2006/table">
@@ -6940,6 +6922,12 @@
                         <a:t>Feedback</a:t>
                       </a:r>
                     </a:p>
+                    <a:p>
+                      <a:r>
+                        <a:rPr lang="en-US" dirty="0"/>
+                        <a:t>Banner</a:t>
+                      </a:r>
+                    </a:p>
                   </a:txBody>
                   <a:tcPr/>
                 </a:tc>
@@ -6968,6 +6956,30 @@
                       <a:r>
                         <a:rPr lang="en-US" dirty="0" err="1"/>
                         <a:t>Mr.Thai</a:t>
+                      </a:r>
+                      <a:endParaRPr lang="en-US" dirty="0"/>
+                    </a:p>
+                    <a:p>
+                      <a:pPr marL="0" marR="0" lvl="0" indent="0" algn="ctr" defTabSz="914400" rtl="0" eaLnBrk="1" fontAlgn="auto" latinLnBrk="0" hangingPunct="1">
+                        <a:lnSpc>
+                          <a:spcPct val="100000"/>
+                        </a:lnSpc>
+                        <a:spcBef>
+                          <a:spcPts val="0"/>
+                        </a:spcBef>
+                        <a:spcAft>
+                          <a:spcPts val="0"/>
+                        </a:spcAft>
+                        <a:buClrTx/>
+                        <a:buSzTx/>
+                        <a:buFontTx/>
+                        <a:buNone/>
+                        <a:tabLst/>
+                        <a:defRPr/>
+                      </a:pPr>
+                      <a:r>
+                        <a:rPr lang="en-US" dirty="0" err="1"/>
+                        <a:t>Ms.Tien</a:t>
                       </a:r>
                       <a:endParaRPr lang="en-US" dirty="0"/>
                     </a:p>
@@ -7106,7 +7118,7 @@
                       </a:pPr>
                       <a:r>
                         <a:rPr lang="en-US" dirty="0"/>
-                        <a:t>Mr. Tien</a:t>
+                        <a:t>Mr. Thai</a:t>
                       </a:r>
                     </a:p>
                   </a:txBody>
@@ -7155,10 +7167,9 @@
                         <a:defRPr/>
                       </a:pPr>
                       <a:r>
-                        <a:rPr lang="en-US" dirty="0" err="1"/>
-                        <a:t>Ms.Tien</a:t>
+                        <a:rPr lang="en-US" dirty="0"/>
+                        <a:t>Mr. Thai</a:t>
                       </a:r>
-                      <a:endParaRPr lang="en-US" dirty="0"/>
                     </a:p>
                   </a:txBody>
                   <a:tcPr/>
@@ -7223,10 +7234,9 @@
                         <a:defRPr/>
                       </a:pPr>
                       <a:r>
-                        <a:rPr lang="en-US" dirty="0" err="1"/>
-                        <a:t>Mr.Thai</a:t>
+                        <a:rPr lang="en-US" dirty="0"/>
+                        <a:t>Mr. Thai</a:t>
                       </a:r>
-                      <a:endParaRPr lang="en-US" dirty="0"/>
                     </a:p>
                   </a:txBody>
                   <a:tcPr/>
@@ -8133,8 +8143,13 @@
             </a:pPr>
             <a:r>
               <a:rPr lang="en-US" dirty="0"/>
-              <a:t>	-	USER can modified their information profile </a:t>
-            </a:r>
+              <a:t>	-	USER can your </a:t>
+            </a:r>
+            <a:r>
+              <a:rPr lang="en-US"/>
+              <a:t>password .</a:t>
+            </a:r>
+            <a:endParaRPr lang="en-US" dirty="0"/>
           </a:p>
           <a:p>
             <a:pPr>

--- a/doc/Project4_Report.pptx
+++ b/doc/Project4_Report.pptx
@@ -2972,7 +2972,7 @@
               <a:pPr>
                 <a:defRPr/>
               </a:pPr>
-              <a:t>8/9/2020</a:t>
+              <a:t>8/10/20</a:t>
             </a:fld>
             <a:endParaRPr lang="en-US" dirty="0"/>
           </a:p>
@@ -3238,7 +3238,7 @@
               <a:pPr>
                 <a:defRPr/>
               </a:pPr>
-              <a:t>8/9/2020</a:t>
+              <a:t>8/10/20</a:t>
             </a:fld>
             <a:endParaRPr lang="en-US" dirty="0"/>
           </a:p>
@@ -3636,7 +3636,386 @@
           <a:bodyPr/>
           <a:lstStyle/>
           <a:p>
-            <a:endParaRPr lang="en-US" dirty="0"/>
+            <a:r>
+              <a:rPr lang="en-US" dirty="0" err="1"/>
+              <a:t>Thế</a:t>
+            </a:r>
+            <a:r>
+              <a:rPr lang="en-US" dirty="0"/>
+              <a:t> </a:t>
+            </a:r>
+            <a:r>
+              <a:rPr lang="en-US" dirty="0" err="1"/>
+              <a:t>giới</a:t>
+            </a:r>
+            <a:r>
+              <a:rPr lang="en-US" dirty="0"/>
+              <a:t> </a:t>
+            </a:r>
+            <a:r>
+              <a:rPr lang="en-US" dirty="0" err="1"/>
+              <a:t>đang</a:t>
+            </a:r>
+            <a:r>
+              <a:rPr lang="en-US" dirty="0"/>
+              <a:t> </a:t>
+            </a:r>
+            <a:r>
+              <a:rPr lang="en-US" dirty="0" err="1"/>
+              <a:t>trong</a:t>
+            </a:r>
+            <a:r>
+              <a:rPr lang="en-US" dirty="0"/>
+              <a:t> </a:t>
+            </a:r>
+            <a:r>
+              <a:rPr lang="en-US" dirty="0" err="1"/>
+              <a:t>xu</a:t>
+            </a:r>
+            <a:r>
+              <a:rPr lang="en-US" dirty="0"/>
+              <a:t> </a:t>
+            </a:r>
+            <a:r>
+              <a:rPr lang="en-US" dirty="0" err="1"/>
+              <a:t>hướng</a:t>
+            </a:r>
+            <a:r>
+              <a:rPr lang="en-US" dirty="0"/>
+              <a:t> </a:t>
+            </a:r>
+            <a:r>
+              <a:rPr lang="en-US" dirty="0" err="1"/>
+              <a:t>công</a:t>
+            </a:r>
+            <a:r>
+              <a:rPr lang="en-US" dirty="0"/>
+              <a:t> </a:t>
+            </a:r>
+            <a:r>
+              <a:rPr lang="en-US" dirty="0" err="1"/>
+              <a:t>nghệ</a:t>
+            </a:r>
+            <a:r>
+              <a:rPr lang="en-US" dirty="0"/>
+              <a:t> </a:t>
+            </a:r>
+            <a:r>
+              <a:rPr lang="en-US" dirty="0" err="1"/>
+              <a:t>hoá</a:t>
+            </a:r>
+            <a:r>
+              <a:rPr lang="en-US" dirty="0"/>
+              <a:t>, </a:t>
+            </a:r>
+            <a:r>
+              <a:rPr lang="en-US" dirty="0" err="1"/>
+              <a:t>tự</a:t>
+            </a:r>
+            <a:r>
+              <a:rPr lang="en-US" dirty="0"/>
+              <a:t> </a:t>
+            </a:r>
+            <a:r>
+              <a:rPr lang="en-US" dirty="0" err="1"/>
+              <a:t>động</a:t>
+            </a:r>
+            <a:r>
+              <a:rPr lang="en-US" dirty="0"/>
+              <a:t> </a:t>
+            </a:r>
+            <a:r>
+              <a:rPr lang="en-US" dirty="0" err="1"/>
+              <a:t>hoá,</a:t>
+            </a:r>
+            <a:r>
+              <a:rPr lang="en-US" baseline="0" dirty="0" err="1"/>
+              <a:t>các</a:t>
+            </a:r>
+            <a:r>
+              <a:rPr lang="en-US" baseline="0" dirty="0"/>
+              <a:t> </a:t>
+            </a:r>
+            <a:r>
+              <a:rPr lang="en-US" baseline="0" dirty="0" err="1"/>
+              <a:t>doanh</a:t>
+            </a:r>
+            <a:r>
+              <a:rPr lang="en-US" baseline="0" dirty="0"/>
+              <a:t> </a:t>
+            </a:r>
+            <a:r>
+              <a:rPr lang="en-US" baseline="0" dirty="0" err="1"/>
+              <a:t>nghiệp</a:t>
+            </a:r>
+            <a:r>
+              <a:rPr lang="en-US" baseline="0" dirty="0"/>
+              <a:t> </a:t>
+            </a:r>
+            <a:r>
+              <a:rPr lang="en-US" baseline="0" dirty="0" err="1"/>
+              <a:t>đang</a:t>
+            </a:r>
+            <a:r>
+              <a:rPr lang="en-US" baseline="0" dirty="0"/>
+              <a:t> </a:t>
+            </a:r>
+            <a:r>
+              <a:rPr lang="en-US" baseline="0" dirty="0" err="1"/>
+              <a:t>ngày</a:t>
+            </a:r>
+            <a:r>
+              <a:rPr lang="en-US" baseline="0" dirty="0"/>
+              <a:t> </a:t>
+            </a:r>
+            <a:r>
+              <a:rPr lang="en-US" baseline="0" dirty="0" err="1"/>
+              <a:t>càng</a:t>
+            </a:r>
+            <a:r>
+              <a:rPr lang="en-US" baseline="0" dirty="0"/>
+              <a:t> </a:t>
+            </a:r>
+            <a:r>
+              <a:rPr lang="en-US" baseline="0" dirty="0" err="1"/>
+              <a:t>cần</a:t>
+            </a:r>
+            <a:r>
+              <a:rPr lang="en-US" baseline="0" dirty="0"/>
+              <a:t> </a:t>
+            </a:r>
+            <a:r>
+              <a:rPr lang="en-US" baseline="0" dirty="0" err="1"/>
+              <a:t>các</a:t>
+            </a:r>
+            <a:r>
+              <a:rPr lang="en-US" baseline="0" dirty="0"/>
+              <a:t> </a:t>
+            </a:r>
+            <a:r>
+              <a:rPr lang="en-US" baseline="0" dirty="0" err="1"/>
+              <a:t>giải</a:t>
+            </a:r>
+            <a:r>
+              <a:rPr lang="en-US" baseline="0" dirty="0"/>
+              <a:t> </a:t>
+            </a:r>
+            <a:r>
+              <a:rPr lang="en-US" baseline="0" dirty="0" err="1"/>
+              <a:t>pháp</a:t>
+            </a:r>
+            <a:r>
+              <a:rPr lang="en-US" baseline="0" dirty="0"/>
+              <a:t> </a:t>
+            </a:r>
+            <a:r>
+              <a:rPr lang="en-US" baseline="0" dirty="0" err="1"/>
+              <a:t>công</a:t>
+            </a:r>
+            <a:r>
+              <a:rPr lang="en-US" baseline="0" dirty="0"/>
+              <a:t> </a:t>
+            </a:r>
+            <a:r>
+              <a:rPr lang="en-US" baseline="0" dirty="0" err="1"/>
+              <a:t>nghệ</a:t>
+            </a:r>
+            <a:r>
+              <a:rPr lang="en-US" baseline="0" dirty="0"/>
+              <a:t> </a:t>
+            </a:r>
+            <a:r>
+              <a:rPr lang="en-US" baseline="0" dirty="0" err="1"/>
+              <a:t>để</a:t>
+            </a:r>
+            <a:r>
+              <a:rPr lang="en-US" baseline="0" dirty="0"/>
+              <a:t> </a:t>
+            </a:r>
+            <a:r>
+              <a:rPr lang="en-US" baseline="0" dirty="0" err="1"/>
+              <a:t>nhằm</a:t>
+            </a:r>
+            <a:r>
+              <a:rPr lang="en-US" baseline="0" dirty="0"/>
+              <a:t> </a:t>
+            </a:r>
+            <a:r>
+              <a:rPr lang="en-US" baseline="0" dirty="0" err="1"/>
+              <a:t>tối</a:t>
+            </a:r>
+            <a:r>
+              <a:rPr lang="en-US" baseline="0" dirty="0"/>
+              <a:t> </a:t>
+            </a:r>
+            <a:r>
+              <a:rPr lang="en-US" baseline="0" dirty="0" err="1"/>
+              <a:t>ưu</a:t>
+            </a:r>
+            <a:r>
+              <a:rPr lang="en-US" baseline="0" dirty="0"/>
+              <a:t> </a:t>
+            </a:r>
+            <a:r>
+              <a:rPr lang="en-US" baseline="0" dirty="0" err="1"/>
+              <a:t>hoá</a:t>
+            </a:r>
+            <a:r>
+              <a:rPr lang="en-US" baseline="0" dirty="0"/>
+              <a:t> </a:t>
+            </a:r>
+            <a:r>
+              <a:rPr lang="en-US" baseline="0" dirty="0" err="1"/>
+              <a:t>và</a:t>
+            </a:r>
+            <a:r>
+              <a:rPr lang="en-US" baseline="0" dirty="0"/>
+              <a:t> </a:t>
+            </a:r>
+            <a:r>
+              <a:rPr lang="en-US" baseline="0" dirty="0" err="1"/>
+              <a:t>phát</a:t>
+            </a:r>
+            <a:r>
+              <a:rPr lang="en-US" baseline="0" dirty="0"/>
+              <a:t> </a:t>
+            </a:r>
+            <a:r>
+              <a:rPr lang="en-US" baseline="0" dirty="0" err="1"/>
+              <a:t>triển</a:t>
+            </a:r>
+            <a:r>
+              <a:rPr lang="en-US" baseline="0" dirty="0"/>
+              <a:t> </a:t>
+            </a:r>
+            <a:r>
+              <a:rPr lang="en-US" baseline="0" dirty="0" err="1"/>
+              <a:t>doanh</a:t>
+            </a:r>
+            <a:r>
+              <a:rPr lang="en-US" baseline="0" dirty="0"/>
+              <a:t> </a:t>
+            </a:r>
+            <a:r>
+              <a:rPr lang="en-US" baseline="0" dirty="0" err="1"/>
+              <a:t>nghiệp</a:t>
+            </a:r>
+            <a:r>
+              <a:rPr lang="en-US" baseline="0" dirty="0"/>
+              <a:t> .</a:t>
+            </a:r>
+            <a:r>
+              <a:rPr lang="en-US" baseline="0" dirty="0" err="1"/>
+              <a:t>Nắm</a:t>
+            </a:r>
+            <a:r>
+              <a:rPr lang="en-US" baseline="0" dirty="0"/>
+              <a:t> </a:t>
+            </a:r>
+            <a:r>
+              <a:rPr lang="en-US" baseline="0" dirty="0" err="1"/>
+              <a:t>bắt</a:t>
+            </a:r>
+            <a:r>
+              <a:rPr lang="en-US" baseline="0" dirty="0"/>
+              <a:t> </a:t>
+            </a:r>
+            <a:r>
+              <a:rPr lang="en-US" baseline="0" dirty="0" err="1"/>
+              <a:t>những</a:t>
+            </a:r>
+            <a:r>
+              <a:rPr lang="en-US" baseline="0" dirty="0"/>
+              <a:t> </a:t>
+            </a:r>
+            <a:r>
+              <a:rPr lang="en-US" baseline="0" dirty="0" err="1"/>
+              <a:t>nhu</a:t>
+            </a:r>
+            <a:r>
+              <a:rPr lang="en-US" baseline="0" dirty="0"/>
+              <a:t> </a:t>
+            </a:r>
+            <a:r>
+              <a:rPr lang="en-US" baseline="0" dirty="0" err="1"/>
+              <a:t>cầu</a:t>
+            </a:r>
+            <a:r>
+              <a:rPr lang="en-US" baseline="0" dirty="0"/>
+              <a:t> </a:t>
+            </a:r>
+            <a:r>
+              <a:rPr lang="en-US" baseline="0" dirty="0" err="1"/>
+              <a:t>đó</a:t>
+            </a:r>
+            <a:r>
+              <a:rPr lang="en-US" baseline="0" dirty="0"/>
+              <a:t> </a:t>
+            </a:r>
+            <a:r>
+              <a:rPr lang="en-US" baseline="0" dirty="0" err="1"/>
+              <a:t>nên</a:t>
+            </a:r>
+            <a:r>
+              <a:rPr lang="en-US" baseline="0" dirty="0"/>
+              <a:t> </a:t>
+            </a:r>
+            <a:r>
+              <a:rPr lang="en-US" baseline="0" dirty="0" err="1"/>
+              <a:t>hệ</a:t>
+            </a:r>
+            <a:r>
+              <a:rPr lang="en-US" baseline="0" dirty="0"/>
+              <a:t> </a:t>
+            </a:r>
+            <a:r>
+              <a:rPr lang="en-US" baseline="0" dirty="0" err="1"/>
+              <a:t>thống</a:t>
+            </a:r>
+            <a:r>
+              <a:rPr lang="en-US" baseline="0" dirty="0"/>
+              <a:t> Resort Management </a:t>
+            </a:r>
+            <a:r>
+              <a:rPr lang="en-US" baseline="0" dirty="0" err="1"/>
+              <a:t>được</a:t>
+            </a:r>
+            <a:r>
+              <a:rPr lang="en-US" baseline="0" dirty="0"/>
+              <a:t> </a:t>
+            </a:r>
+            <a:r>
+              <a:rPr lang="en-US" baseline="0" dirty="0" err="1"/>
+              <a:t>xây</a:t>
+            </a:r>
+            <a:r>
+              <a:rPr lang="en-US" baseline="0" dirty="0"/>
+              <a:t> dung </a:t>
+            </a:r>
+            <a:r>
+              <a:rPr lang="en-US" baseline="0" dirty="0" err="1"/>
+              <a:t>và</a:t>
+            </a:r>
+            <a:r>
+              <a:rPr lang="en-US" baseline="0" dirty="0"/>
+              <a:t> </a:t>
+            </a:r>
+            <a:r>
+              <a:rPr lang="en-US" baseline="0" dirty="0" err="1"/>
+              <a:t>phát</a:t>
+            </a:r>
+            <a:r>
+              <a:rPr lang="en-US" baseline="0" dirty="0"/>
+              <a:t> </a:t>
+            </a:r>
+            <a:r>
+              <a:rPr lang="en-US" baseline="0" dirty="0" err="1"/>
+              <a:t>triển</a:t>
+            </a:r>
+            <a:r>
+              <a:rPr lang="en-US" baseline="0" dirty="0"/>
+              <a:t>.  </a:t>
+            </a:r>
           </a:p>
         </p:txBody>
       </p:sp>
@@ -3673,6 +4052,358 @@
     <p:extLst>
       <p:ext uri="{BB962C8B-B14F-4D97-AF65-F5344CB8AC3E}">
         <p14:creationId xmlns:p14="http://schemas.microsoft.com/office/powerpoint/2010/main" val="1372713793"/>
+      </p:ext>
+    </p:extLst>
+  </p:cSld>
+  <p:clrMapOvr>
+    <a:masterClrMapping/>
+  </p:clrMapOvr>
+</p:notes>
+</file>
+
+<file path=ppt/notesSlides/notesSlide2.xml><?xml version="1.0" encoding="utf-8"?>
+<p:notes xmlns:a="http://schemas.openxmlformats.org/drawingml/2006/main" xmlns:r="http://schemas.openxmlformats.org/officeDocument/2006/relationships" xmlns:p="http://schemas.openxmlformats.org/presentationml/2006/main">
+  <p:cSld>
+    <p:spTree>
+      <p:nvGrpSpPr>
+        <p:cNvPr id="1" name=""/>
+        <p:cNvGrpSpPr/>
+        <p:nvPr/>
+      </p:nvGrpSpPr>
+      <p:grpSpPr>
+        <a:xfrm>
+          <a:off x="0" y="0"/>
+          <a:ext cx="0" cy="0"/>
+          <a:chOff x="0" y="0"/>
+          <a:chExt cx="0" cy="0"/>
+        </a:xfrm>
+      </p:grpSpPr>
+      <p:sp>
+        <p:nvSpPr>
+          <p:cNvPr id="2" name="Slide Image Placeholder 1"/>
+          <p:cNvSpPr>
+            <a:spLocks noGrp="1" noRot="1" noChangeAspect="1"/>
+          </p:cNvSpPr>
+          <p:nvPr>
+            <p:ph type="sldImg"/>
+          </p:nvPr>
+        </p:nvSpPr>
+        <p:spPr/>
+      </p:sp>
+      <p:sp>
+        <p:nvSpPr>
+          <p:cNvPr id="3" name="Notes Placeholder 2"/>
+          <p:cNvSpPr>
+            <a:spLocks noGrp="1"/>
+          </p:cNvSpPr>
+          <p:nvPr>
+            <p:ph type="body" idx="1"/>
+          </p:nvPr>
+        </p:nvSpPr>
+        <p:spPr/>
+        <p:txBody>
+          <a:bodyPr/>
+          <a:lstStyle/>
+          <a:p>
+            <a:endParaRPr lang="en-US" dirty="0"/>
+          </a:p>
+        </p:txBody>
+      </p:sp>
+      <p:sp>
+        <p:nvSpPr>
+          <p:cNvPr id="4" name="Slide Number Placeholder 3"/>
+          <p:cNvSpPr>
+            <a:spLocks noGrp="1"/>
+          </p:cNvSpPr>
+          <p:nvPr>
+            <p:ph type="sldNum" sz="quarter" idx="5"/>
+          </p:nvPr>
+        </p:nvSpPr>
+        <p:spPr/>
+        <p:txBody>
+          <a:bodyPr/>
+          <a:lstStyle/>
+          <a:p>
+            <a:pPr>
+              <a:defRPr/>
+            </a:pPr>
+            <a:fld id="{9CC863AC-7600-4022-BA06-9E5E1721FB66}" type="slidenum">
+              <a:rPr lang="en-US" smtClean="0"/>
+              <a:pPr>
+                <a:defRPr/>
+              </a:pPr>
+              <a:t>3</a:t>
+            </a:fld>
+            <a:endParaRPr lang="en-US" dirty="0"/>
+          </a:p>
+        </p:txBody>
+      </p:sp>
+    </p:spTree>
+    <p:extLst>
+      <p:ext uri="{BB962C8B-B14F-4D97-AF65-F5344CB8AC3E}">
+        <p14:creationId xmlns:p14="http://schemas.microsoft.com/office/powerpoint/2010/main" val="1755551378"/>
+      </p:ext>
+    </p:extLst>
+  </p:cSld>
+  <p:clrMapOvr>
+    <a:masterClrMapping/>
+  </p:clrMapOvr>
+</p:notes>
+</file>
+
+<file path=ppt/notesSlides/notesSlide3.xml><?xml version="1.0" encoding="utf-8"?>
+<p:notes xmlns:a="http://schemas.openxmlformats.org/drawingml/2006/main" xmlns:r="http://schemas.openxmlformats.org/officeDocument/2006/relationships" xmlns:p="http://schemas.openxmlformats.org/presentationml/2006/main">
+  <p:cSld>
+    <p:spTree>
+      <p:nvGrpSpPr>
+        <p:cNvPr id="1" name=""/>
+        <p:cNvGrpSpPr/>
+        <p:nvPr/>
+      </p:nvGrpSpPr>
+      <p:grpSpPr>
+        <a:xfrm>
+          <a:off x="0" y="0"/>
+          <a:ext cx="0" cy="0"/>
+          <a:chOff x="0" y="0"/>
+          <a:chExt cx="0" cy="0"/>
+        </a:xfrm>
+      </p:grpSpPr>
+      <p:sp>
+        <p:nvSpPr>
+          <p:cNvPr id="2" name="Slide Image Placeholder 1"/>
+          <p:cNvSpPr>
+            <a:spLocks noGrp="1" noRot="1" noChangeAspect="1"/>
+          </p:cNvSpPr>
+          <p:nvPr>
+            <p:ph type="sldImg"/>
+          </p:nvPr>
+        </p:nvSpPr>
+        <p:spPr/>
+      </p:sp>
+      <p:sp>
+        <p:nvSpPr>
+          <p:cNvPr id="3" name="Notes Placeholder 2"/>
+          <p:cNvSpPr>
+            <a:spLocks noGrp="1"/>
+          </p:cNvSpPr>
+          <p:nvPr>
+            <p:ph type="body" idx="1"/>
+          </p:nvPr>
+        </p:nvSpPr>
+        <p:spPr/>
+        <p:txBody>
+          <a:bodyPr/>
+          <a:lstStyle/>
+          <a:p>
+            <a:pPr marL="0" marR="0" lvl="0" indent="0" algn="l" defTabSz="914400" rtl="0" eaLnBrk="0" fontAlgn="base" latinLnBrk="0" hangingPunct="0">
+              <a:lnSpc>
+                <a:spcPct val="100000"/>
+              </a:lnSpc>
+              <a:spcBef>
+                <a:spcPct val="30000"/>
+              </a:spcBef>
+              <a:spcAft>
+                <a:spcPct val="0"/>
+              </a:spcAft>
+              <a:buClrTx/>
+              <a:buSzTx/>
+              <a:buFontTx/>
+              <a:buNone/>
+              <a:tabLst/>
+              <a:defRPr/>
+            </a:pPr>
+            <a:r>
+              <a:rPr lang="en-US" baseline="0" dirty="0" err="1"/>
+              <a:t>Hệ</a:t>
+            </a:r>
+            <a:r>
+              <a:rPr lang="en-US" baseline="0" dirty="0"/>
+              <a:t> </a:t>
+            </a:r>
+            <a:r>
+              <a:rPr lang="en-US" baseline="0" dirty="0" err="1"/>
+              <a:t>thống</a:t>
+            </a:r>
+            <a:r>
+              <a:rPr lang="en-US" baseline="0" dirty="0"/>
+              <a:t> </a:t>
+            </a:r>
+            <a:r>
+              <a:rPr lang="en-US" baseline="0" dirty="0" err="1"/>
+              <a:t>có</a:t>
+            </a:r>
+            <a:r>
+              <a:rPr lang="en-US" baseline="0" dirty="0"/>
+              <a:t> 2 </a:t>
+            </a:r>
+            <a:r>
+              <a:rPr lang="en-US" baseline="0" dirty="0" err="1"/>
+              <a:t>phần</a:t>
+            </a:r>
+            <a:r>
+              <a:rPr lang="en-US" baseline="0" dirty="0"/>
+              <a:t> </a:t>
+            </a:r>
+            <a:r>
+              <a:rPr lang="en-US" baseline="0" dirty="0" err="1"/>
+              <a:t>chủ</a:t>
+            </a:r>
+            <a:r>
+              <a:rPr lang="en-US" baseline="0" dirty="0"/>
+              <a:t> </a:t>
+            </a:r>
+            <a:r>
+              <a:rPr lang="en-US" baseline="0" dirty="0" err="1"/>
+              <a:t>yếu</a:t>
+            </a:r>
+            <a:r>
+              <a:rPr lang="en-US" baseline="0" dirty="0"/>
+              <a:t> </a:t>
+            </a:r>
+            <a:r>
+              <a:rPr lang="en-US" baseline="0" dirty="0" err="1"/>
+              <a:t>để</a:t>
+            </a:r>
+            <a:r>
+              <a:rPr lang="en-US" baseline="0" dirty="0"/>
+              <a:t> </a:t>
+            </a:r>
+            <a:r>
+              <a:rPr lang="en-US" baseline="0" dirty="0" err="1"/>
+              <a:t>phục</a:t>
+            </a:r>
+            <a:r>
+              <a:rPr lang="en-US" baseline="0" dirty="0"/>
+              <a:t> </a:t>
+            </a:r>
+            <a:r>
+              <a:rPr lang="en-US" baseline="0" dirty="0" err="1"/>
+              <a:t>vụ</a:t>
+            </a:r>
+            <a:r>
+              <a:rPr lang="en-US" baseline="0" dirty="0"/>
+              <a:t> </a:t>
+            </a:r>
+            <a:r>
+              <a:rPr lang="en-US" baseline="0" dirty="0" err="1"/>
+              <a:t>nhu</a:t>
+            </a:r>
+            <a:r>
+              <a:rPr lang="en-US" baseline="0" dirty="0"/>
+              <a:t> </a:t>
+            </a:r>
+            <a:r>
+              <a:rPr lang="en-US" baseline="0" dirty="0" err="1"/>
+              <a:t>cầu</a:t>
+            </a:r>
+            <a:r>
+              <a:rPr lang="en-US" baseline="0" dirty="0"/>
+              <a:t> </a:t>
+            </a:r>
+            <a:r>
+              <a:rPr lang="en-US" baseline="0" dirty="0" err="1"/>
+              <a:t>của</a:t>
+            </a:r>
+            <a:r>
+              <a:rPr lang="en-US" baseline="0" dirty="0"/>
+              <a:t> </a:t>
+            </a:r>
+            <a:r>
+              <a:rPr lang="en-US" baseline="0" dirty="0" err="1"/>
+              <a:t>doanh</a:t>
+            </a:r>
+            <a:r>
+              <a:rPr lang="en-US" baseline="0" dirty="0"/>
+              <a:t> </a:t>
+            </a:r>
+            <a:r>
+              <a:rPr lang="en-US" baseline="0" dirty="0" err="1"/>
+              <a:t>nghiệp</a:t>
+            </a:r>
+            <a:r>
+              <a:rPr lang="en-US" baseline="0" dirty="0"/>
+              <a:t> </a:t>
+            </a:r>
+            <a:r>
+              <a:rPr lang="en-US" baseline="0" dirty="0" err="1"/>
+              <a:t>và</a:t>
+            </a:r>
+            <a:r>
+              <a:rPr lang="en-US" baseline="0" dirty="0"/>
+              <a:t> </a:t>
+            </a:r>
+            <a:r>
+              <a:rPr lang="en-US" baseline="0" dirty="0" err="1"/>
+              <a:t>khách</a:t>
+            </a:r>
+            <a:r>
+              <a:rPr lang="en-US" baseline="0" dirty="0"/>
+              <a:t> </a:t>
+            </a:r>
+            <a:r>
+              <a:rPr lang="en-US" baseline="0" dirty="0" err="1"/>
+              <a:t>hàng</a:t>
+            </a:r>
+            <a:r>
+              <a:rPr lang="en-US" baseline="0" dirty="0"/>
+              <a:t> </a:t>
+            </a:r>
+            <a:r>
+              <a:rPr lang="en-US" baseline="0" dirty="0" err="1"/>
+              <a:t>của</a:t>
+            </a:r>
+            <a:r>
+              <a:rPr lang="en-US" baseline="0" dirty="0"/>
+              <a:t> </a:t>
+            </a:r>
+            <a:r>
+              <a:rPr lang="en-US" baseline="0" dirty="0" err="1"/>
+              <a:t>họ</a:t>
+            </a:r>
+            <a:r>
+              <a:rPr lang="en-US" baseline="0" dirty="0"/>
+              <a:t> </a:t>
+            </a:r>
+            <a:endParaRPr lang="en-US" dirty="0"/>
+          </a:p>
+          <a:p>
+            <a:endParaRPr lang="en-US" dirty="0"/>
+          </a:p>
+        </p:txBody>
+      </p:sp>
+      <p:sp>
+        <p:nvSpPr>
+          <p:cNvPr id="4" name="Slide Number Placeholder 3"/>
+          <p:cNvSpPr>
+            <a:spLocks noGrp="1"/>
+          </p:cNvSpPr>
+          <p:nvPr>
+            <p:ph type="sldNum" sz="quarter" idx="5"/>
+          </p:nvPr>
+        </p:nvSpPr>
+        <p:spPr/>
+        <p:txBody>
+          <a:bodyPr/>
+          <a:lstStyle/>
+          <a:p>
+            <a:pPr>
+              <a:defRPr/>
+            </a:pPr>
+            <a:fld id="{9CC863AC-7600-4022-BA06-9E5E1721FB66}" type="slidenum">
+              <a:rPr lang="en-US" smtClean="0"/>
+              <a:pPr>
+                <a:defRPr/>
+              </a:pPr>
+              <a:t>4</a:t>
+            </a:fld>
+            <a:endParaRPr lang="en-US" dirty="0"/>
+          </a:p>
+        </p:txBody>
+      </p:sp>
+    </p:spTree>
+    <p:extLst>
+      <p:ext uri="{BB962C8B-B14F-4D97-AF65-F5344CB8AC3E}">
+        <p14:creationId xmlns:p14="http://schemas.microsoft.com/office/powerpoint/2010/main" val="4281488405"/>
       </p:ext>
     </p:extLst>
   </p:cSld>
